--- a/ppt/8_并发_条件变量_信号量.pptx
+++ b/ppt/8_并发_条件变量_信号量.pptx
@@ -251,7 +251,7 @@
           <a:p>
             <a:fld id="{25239B2F-0F50-4DD2-AFF0-5AD65435FA39}" type="datetimeFigureOut">
               <a:rPr lang="zh-CN" altLang="en-US" smtClean="0"/>
-              <a:t>2024/05/08</a:t>
+              <a:t>2025/05/12</a:t>
             </a:fld>
             <a:endParaRPr lang="zh-CN" altLang="en-US"/>
           </a:p>
@@ -429,7 +429,7 @@
           <a:p>
             <a:fld id="{F3F10C42-C15F-4A21-90B7-1EA21CFD4452}" type="datetimeFigureOut">
               <a:rPr lang="zh-CN" altLang="en-US" smtClean="0"/>
-              <a:t>2024/05/08</a:t>
+              <a:t>2025/05/12</a:t>
             </a:fld>
             <a:endParaRPr lang="zh-CN" altLang="en-US"/>
           </a:p>
@@ -1028,7 +1028,7 @@
           <a:p>
             <a:fld id="{AE214366-5FB2-49C3-BB65-B979D2FAD098}" type="datetime1">
               <a:rPr lang="zh-CN" altLang="en-US" smtClean="0"/>
-              <a:t>2024/05/08</a:t>
+              <a:t>2025/05/12</a:t>
             </a:fld>
             <a:endParaRPr lang="zh-CN" altLang="en-US"/>
           </a:p>
@@ -1236,7 +1236,7 @@
           <a:p>
             <a:fld id="{04BC6C44-F673-46E9-8025-7385D4D32FDE}" type="datetime1">
               <a:rPr lang="zh-CN" altLang="en-US" smtClean="0"/>
-              <a:t>2024/05/08</a:t>
+              <a:t>2025/05/12</a:t>
             </a:fld>
             <a:endParaRPr lang="zh-CN" altLang="en-US"/>
           </a:p>
@@ -1780,7 +1780,7 @@
           <a:p>
             <a:fld id="{2B70573D-5408-47A7-B81F-E30CA5085A27}" type="datetime1">
               <a:rPr lang="zh-CN" altLang="en-US" smtClean="0"/>
-              <a:t>2024/05/08</a:t>
+              <a:t>2025/05/12</a:t>
             </a:fld>
             <a:endParaRPr lang="zh-CN" altLang="en-US"/>
           </a:p>
@@ -2045,7 +2045,7 @@
           <a:p>
             <a:fld id="{62468019-71FB-4D17-9B3C-F6A5314A34D2}" type="datetime1">
               <a:rPr lang="zh-CN" altLang="en-US" smtClean="0"/>
-              <a:t>2024/05/08</a:t>
+              <a:t>2025/05/12</a:t>
             </a:fld>
             <a:endParaRPr lang="zh-CN" altLang="en-US"/>
           </a:p>
@@ -2457,7 +2457,7 @@
           <a:p>
             <a:fld id="{4AB419BE-49FF-45D0-B257-7BC605413B3A}" type="datetime1">
               <a:rPr lang="zh-CN" altLang="en-US" smtClean="0"/>
-              <a:t>2024/05/08</a:t>
+              <a:t>2025/05/12</a:t>
             </a:fld>
             <a:endParaRPr lang="zh-CN" altLang="en-US"/>
           </a:p>
@@ -2598,7 +2598,7 @@
           <a:p>
             <a:fld id="{6319E9FC-0AA5-46B6-8E94-55EADC6DCFFF}" type="datetime1">
               <a:rPr lang="zh-CN" altLang="en-US" smtClean="0"/>
-              <a:t>2024/05/08</a:t>
+              <a:t>2025/05/12</a:t>
             </a:fld>
             <a:endParaRPr lang="zh-CN" altLang="en-US"/>
           </a:p>
@@ -2711,7 +2711,7 @@
           <a:p>
             <a:fld id="{FCFA6577-5736-496A-8F6D-C0BE13E9BEE0}" type="datetime1">
               <a:rPr lang="zh-CN" altLang="en-US" smtClean="0"/>
-              <a:t>2024/05/08</a:t>
+              <a:t>2025/05/12</a:t>
             </a:fld>
             <a:endParaRPr lang="zh-CN" altLang="en-US"/>
           </a:p>
@@ -3022,7 +3022,7 @@
           <a:p>
             <a:fld id="{10D62EDE-3CF3-4C9B-9666-764136C001DF}" type="datetime1">
               <a:rPr lang="zh-CN" altLang="en-US" smtClean="0"/>
-              <a:t>2024/05/08</a:t>
+              <a:t>2025/05/12</a:t>
             </a:fld>
             <a:endParaRPr lang="zh-CN" altLang="en-US"/>
           </a:p>
@@ -3310,7 +3310,7 @@
           <a:p>
             <a:fld id="{E31DF0E5-AB3E-4E91-8924-10EB10A38894}" type="datetime1">
               <a:rPr lang="zh-CN" altLang="en-US" smtClean="0"/>
-              <a:t>2024/05/08</a:t>
+              <a:t>2025/05/12</a:t>
             </a:fld>
             <a:endParaRPr lang="zh-CN" altLang="en-US"/>
           </a:p>
@@ -3551,7 +3551,7 @@
           <a:p>
             <a:fld id="{2E8DB3C8-7D21-4109-A2E4-E02A745546D7}" type="datetime1">
               <a:rPr lang="zh-CN" altLang="en-US" smtClean="0"/>
-              <a:t>2024/05/08</a:t>
+              <a:t>2025/05/12</a:t>
             </a:fld>
             <a:endParaRPr lang="zh-CN" altLang="en-US"/>
           </a:p>
@@ -5878,6 +5878,11 @@
               <a:rPr lang="en-US" altLang="zh-CN" dirty="0"/>
               <a:t>allocate(100)</a:t>
             </a:r>
+            <a:r>
+              <a:rPr lang="zh-CN" altLang="en-US" dirty="0"/>
+              <a:t>，进入睡眠</a:t>
+            </a:r>
+            <a:endParaRPr lang="en-US" altLang="zh-CN" dirty="0"/>
           </a:p>
           <a:p>
             <a:pPr lvl="1"/>
@@ -5891,8 +5896,13 @@
             </a:r>
             <a:r>
               <a:rPr lang="en-US" altLang="zh-CN" dirty="0"/>
-              <a:t>allocate(10)</a:t>
-            </a:r>
+              <a:t>allocate(10),</a:t>
+            </a:r>
+            <a:r>
+              <a:rPr lang="zh-CN" altLang="en-US"/>
+              <a:t>进入睡眠</a:t>
+            </a:r>
+            <a:endParaRPr lang="en-US" altLang="zh-CN" dirty="0"/>
           </a:p>
           <a:p>
             <a:pPr lvl="1"/>
@@ -5979,8 +5989,8 @@
         </p:blipFill>
         <p:spPr>
           <a:xfrm>
-            <a:off x="4713475" y="892312"/>
-            <a:ext cx="6634803" cy="5574240"/>
+            <a:off x="5844620" y="944472"/>
+            <a:ext cx="5914476" cy="4969056"/>
           </a:xfrm>
           <a:prstGeom prst="rect">
             <a:avLst/>
